--- a/CA1 - DDT - Poster.pptx
+++ b/CA1 - DDT - Poster.pptx
@@ -278,7 +278,7 @@
             <a:fld id="{0158C5BC-9A70-462C-B28D-9600239EAC64}" type="datetimeFigureOut">
               <a:rPr lang="en-US" smtClean="0"/>
               <a:pPr/>
-              <a:t>11/27/2024</a:t>
+              <a:t>11/29/2024</a:t>
             </a:fld>
             <a:endParaRPr lang="en-US"/>
           </a:p>
@@ -445,7 +445,7 @@
             <a:fld id="{E6CC2317-6751-4CD4-9995-8782DD78E936}" type="datetimeFigureOut">
               <a:rPr lang="en-US" smtClean="0"/>
               <a:pPr/>
-              <a:t>11/27/2024</a:t>
+              <a:t>11/29/2024</a:t>
             </a:fld>
             <a:endParaRPr lang="en-US" dirty="0"/>
           </a:p>
@@ -1828,7 +1828,7 @@
           <a:p>
             <a:fld id="{A7EADB90-FF7E-5041-AB9F-1BC0957AB829}" type="datetimeFigureOut">
               <a:rPr lang="en-US" dirty="0"/>
-              <a:t>11/27/2024</a:t>
+              <a:t>11/29/2024</a:t>
             </a:fld>
             <a:endParaRPr lang="en-US" dirty="0"/>
           </a:p>
@@ -2160,7 +2160,7 @@
           <a:p>
             <a:fld id="{C1EB8CB6-48D8-4E47-B0D3-B56230F429D0}" type="datetimeFigureOut">
               <a:rPr lang="en-US" dirty="0"/>
-              <a:t>11/27/2024</a:t>
+              <a:t>11/29/2024</a:t>
             </a:fld>
             <a:endParaRPr lang="en-US" dirty="0"/>
           </a:p>
@@ -2504,7 +2504,7 @@
           <a:p>
             <a:fld id="{4EF716D3-DCE8-CC45-8106-AE5DFCD073F9}" type="datetimeFigureOut">
               <a:rPr lang="en-US" dirty="0"/>
-              <a:t>11/27/2024</a:t>
+              <a:t>11/29/2024</a:t>
             </a:fld>
             <a:endParaRPr lang="en-US" dirty="0"/>
           </a:p>
@@ -2841,7 +2841,7 @@
           <a:p>
             <a:fld id="{944F351F-53B1-3B4C-8CD4-15B0457E8E3F}" type="datetimeFigureOut">
               <a:rPr lang="en-US" dirty="0"/>
-              <a:t>11/27/2024</a:t>
+              <a:t>11/29/2024</a:t>
             </a:fld>
             <a:endParaRPr lang="en-US" dirty="0"/>
           </a:p>
@@ -3241,7 +3241,7 @@
           <a:p>
             <a:fld id="{BAB1E8F6-4F69-E448-82E4-3FF8C30628E4}" type="datetimeFigureOut">
               <a:rPr lang="en-US" dirty="0"/>
-              <a:t>11/27/2024</a:t>
+              <a:t>11/29/2024</a:t>
             </a:fld>
             <a:endParaRPr lang="en-US" dirty="0"/>
           </a:p>
@@ -3576,7 +3576,7 @@
           <a:p>
             <a:fld id="{F790BAD4-EC93-8B4C-97AE-9AB5F3271B19}" type="datetimeFigureOut">
               <a:rPr lang="en-US" dirty="0"/>
-              <a:t>11/27/2024</a:t>
+              <a:t>11/29/2024</a:t>
             </a:fld>
             <a:endParaRPr lang="en-US" dirty="0"/>
           </a:p>
@@ -3895,7 +3895,7 @@
           <a:p>
             <a:fld id="{E6C9050E-E079-6441-81E7-806D30677343}" type="datetimeFigureOut">
               <a:rPr lang="en-US" dirty="0"/>
-              <a:t>11/27/2024</a:t>
+              <a:t>11/29/2024</a:t>
             </a:fld>
             <a:endParaRPr lang="en-US" dirty="0"/>
           </a:p>
@@ -4290,7 +4290,7 @@
           <a:p>
             <a:fld id="{99B230AF-FFB7-DE42-B481-AAC2589869DA}" type="datetimeFigureOut">
               <a:rPr lang="en-US" dirty="0"/>
-              <a:t>11/27/2024</a:t>
+              <a:t>11/29/2024</a:t>
             </a:fld>
             <a:endParaRPr lang="en-US" dirty="0"/>
           </a:p>
@@ -4546,7 +4546,7 @@
           <a:p>
             <a:fld id="{DE9A7C16-FAF2-2C41-B697-563997C522AD}" type="datetimeFigureOut">
               <a:rPr lang="en-US" dirty="0"/>
-              <a:t>11/27/2024</a:t>
+              <a:t>11/29/2024</a:t>
             </a:fld>
             <a:endParaRPr lang="en-US" dirty="0"/>
           </a:p>
@@ -4807,7 +4807,7 @@
           <a:p>
             <a:fld id="{0A19D9EA-0687-604F-B97A-763B6765DF9F}" type="datetimeFigureOut">
               <a:rPr lang="en-US" dirty="0"/>
-              <a:t>11/27/2024</a:t>
+              <a:t>11/29/2024</a:t>
             </a:fld>
             <a:endParaRPr lang="en-US" dirty="0"/>
           </a:p>
@@ -8083,7 +8083,7 @@
           <a:p>
             <a:fld id="{583A977F-2504-E741-85B4-8F01994E1F25}" type="datetimeFigureOut">
               <a:rPr lang="en-US" dirty="0"/>
-              <a:t>11/27/2024</a:t>
+              <a:t>11/29/2024</a:t>
             </a:fld>
             <a:endParaRPr lang="en-US" dirty="0"/>
           </a:p>
@@ -8345,7 +8345,7 @@
           <a:p>
             <a:fld id="{12B9A02F-357D-AF42-B110-A7740AFDCA1B}" type="datetimeFigureOut">
               <a:rPr lang="en-US" dirty="0"/>
-              <a:t>11/27/2024</a:t>
+              <a:t>11/29/2024</a:t>
             </a:fld>
             <a:endParaRPr lang="en-US" dirty="0"/>
           </a:p>
@@ -8673,7 +8673,7 @@
           <a:p>
             <a:fld id="{DABB9B27-4D02-2940-AED5-BC8F2B3B1507}" type="datetimeFigureOut">
               <a:rPr lang="en-US" dirty="0"/>
-              <a:t>11/27/2024</a:t>
+              <a:t>11/29/2024</a:t>
             </a:fld>
             <a:endParaRPr lang="en-US" dirty="0"/>
           </a:p>
@@ -8995,7 +8995,7 @@
           <a:p>
             <a:fld id="{04CF7878-2C98-7449-BB8F-764A5EA8E558}" type="datetimeFigureOut">
               <a:rPr lang="en-US" dirty="0"/>
-              <a:t>11/27/2024</a:t>
+              <a:t>11/29/2024</a:t>
             </a:fld>
             <a:endParaRPr lang="en-US" dirty="0"/>
           </a:p>
@@ -9451,7 +9451,7 @@
           <a:p>
             <a:fld id="{E6D2F403-9584-1749-B6AB-5E1C5F94527C}" type="datetimeFigureOut">
               <a:rPr lang="en-US" dirty="0"/>
-              <a:t>11/27/2024</a:t>
+              <a:t>11/29/2024</a:t>
             </a:fld>
             <a:endParaRPr lang="en-US" dirty="0"/>
           </a:p>
@@ -9660,7 +9660,7 @@
           <a:p>
             <a:fld id="{A58C0351-EB03-5444-BA93-B7E778374E24}" type="datetimeFigureOut">
               <a:rPr lang="en-US" dirty="0"/>
-              <a:t>11/27/2024</a:t>
+              <a:t>11/29/2024</a:t>
             </a:fld>
             <a:endParaRPr lang="en-US" dirty="0"/>
           </a:p>
@@ -22175,7 +22175,7 @@
           <a:p>
             <a:fld id="{4D9FFFB4-400D-1240-AB24-6F86C96D4DFB}" type="datetimeFigureOut">
               <a:rPr lang="en-US" dirty="0"/>
-              <a:t>11/27/2024</a:t>
+              <a:t>11/29/2024</a:t>
             </a:fld>
             <a:endParaRPr lang="en-US" dirty="0"/>
           </a:p>
@@ -27702,6 +27702,59 @@
           </a:prstGeom>
         </p:spPr>
       </p:pic>
+      <p:sp>
+        <p:nvSpPr>
+          <p:cNvPr id="13" name="CuadroTexto 12">
+            <a:extLst>
+              <a:ext uri="{FF2B5EF4-FFF2-40B4-BE49-F238E27FC236}">
+                <a16:creationId xmlns:a16="http://schemas.microsoft.com/office/drawing/2014/main" id="{A25B379A-7D09-8E47-B741-A08468980B07}"/>
+              </a:ext>
+            </a:extLst>
+          </p:cNvPr>
+          <p:cNvSpPr txBox="1"/>
+          <p:nvPr/>
+        </p:nvSpPr>
+        <p:spPr>
+          <a:xfrm>
+            <a:off x="27804533" y="4515319"/>
+            <a:ext cx="16086667" cy="707886"/>
+          </a:xfrm>
+          <a:prstGeom prst="rect">
+            <a:avLst/>
+          </a:prstGeom>
+          <a:noFill/>
+        </p:spPr>
+        <p:txBody>
+          <a:bodyPr wrap="square" rtlCol="0">
+            <a:spAutoFit/>
+          </a:bodyPr>
+          <a:lstStyle/>
+          <a:p>
+            <a:r>
+              <a:rPr lang="en-IE" sz="4000" dirty="0" err="1">
+                <a:solidFill>
+                  <a:schemeClr val="accent1">
+                    <a:lumMod val="50000"/>
+                  </a:schemeClr>
+                </a:solidFill>
+                <a:latin typeface="Abadi" panose="020B0604020104020204" pitchFamily="34" charset="0"/>
+              </a:rPr>
+              <a:t>GitHub:https</a:t>
+            </a:r>
+            <a:r>
+              <a:rPr lang="en-IE" sz="4000" dirty="0">
+                <a:solidFill>
+                  <a:schemeClr val="accent1">
+                    <a:lumMod val="50000"/>
+                  </a:schemeClr>
+                </a:solidFill>
+                <a:latin typeface="Abadi" panose="020B0604020104020204" pitchFamily="34" charset="0"/>
+              </a:rPr>
+              <a:t>://github.com/2022475/HealthDataManagement-DApp.git</a:t>
+            </a:r>
+          </a:p>
+        </p:txBody>
+      </p:sp>
     </p:spTree>
     <p:extLst>
       <p:ext uri="{BB962C8B-B14F-4D97-AF65-F5344CB8AC3E}">
